--- a/Project Progress/CougarMingle.pptx
+++ b/Project Progress/CougarMingle.pptx
@@ -108,6 +108,11 @@
       </a:defRPr>
     </a:lvl9pPr>
   </p:defaultTextStyle>
+  <p:extLst>
+    <p:ext uri="{EFAFB233-063F-42B5-8137-9DF3F51BA10A}">
+      <p15:sldGuideLst xmlns:p15="http://schemas.microsoft.com/office/powerpoint/2012/main"/>
+    </p:ext>
+  </p:extLst>
 </p:presentation>
 </file>
 
@@ -3482,7 +3487,12 @@
             <p:ph idx="1"/>
           </p:nvPr>
         </p:nvSpPr>
-        <p:spPr/>
+        <p:spPr>
+          <a:xfrm>
+            <a:off x="838200" y="1253331"/>
+            <a:ext cx="10515600" cy="4351338"/>
+          </a:xfrm>
+        </p:spPr>
         <p:txBody>
           <a:bodyPr/>
           <a:lstStyle/>
@@ -3506,6 +3516,17 @@
               <a:rPr lang="en-US" dirty="0"/>
               <a:t>Was able to finish editing the whole homepage</a:t>
             </a:r>
+          </a:p>
+          <a:p>
+            <a:pPr fontAlgn="base"/>
+            <a:r>
+              <a:rPr lang="en-US" dirty="0"/>
+              <a:t>Editing User Page</a:t>
+            </a:r>
+          </a:p>
+          <a:p>
+            <a:pPr fontAlgn="base"/>
+            <a:endParaRPr lang="en-US" dirty="0"/>
           </a:p>
           <a:p>
             <a:endParaRPr lang="en-US" dirty="0"/>
@@ -3617,7 +3638,7 @@
         <p:spPr>
           <a:xfrm>
             <a:off x="521370" y="304799"/>
-            <a:ext cx="10170694" cy="7232749"/>
+            <a:ext cx="10170694" cy="8094524"/>
           </a:xfrm>
           <a:prstGeom prst="rect">
             <a:avLst/>
@@ -3632,7 +3653,7 @@
           <a:p>
             <a:r>
               <a:rPr lang="en-US" sz="4400" dirty="0"/>
-              <a:t>Zachary</a:t>
+              <a:t>Zach</a:t>
             </a:r>
           </a:p>
           <a:p>
@@ -3657,6 +3678,13 @@
             </a:r>
           </a:p>
           <a:p>
+            <a:pPr fontAlgn="base"/>
+            <a:r>
+              <a:rPr lang="en-US" sz="2800" dirty="0"/>
+              <a:t>Tuesday afternoon: Made survey questions submit to database(with help of Jack)</a:t>
+            </a:r>
+          </a:p>
+          <a:p>
             <a:endParaRPr lang="en-US" sz="2800" dirty="0"/>
           </a:p>
           <a:p>
@@ -3682,6 +3710,42 @@
           </a:p>
         </p:txBody>
       </p:sp>
+      <p:pic>
+        <p:nvPicPr>
+          <p:cNvPr id="4" name="Picture 3">
+            <a:extLst>
+              <a:ext uri="{FF2B5EF4-FFF2-40B4-BE49-F238E27FC236}">
+                <a16:creationId xmlns:a16="http://schemas.microsoft.com/office/drawing/2014/main" id="{066853EB-5B82-4B83-8960-BD065BAA150E}"/>
+              </a:ext>
+            </a:extLst>
+          </p:cNvPr>
+          <p:cNvPicPr>
+            <a:picLocks noChangeAspect="1"/>
+          </p:cNvPicPr>
+          <p:nvPr/>
+        </p:nvPicPr>
+        <p:blipFill>
+          <a:blip r:embed="rId2">
+            <a:extLst>
+              <a:ext uri="{28A0092B-C50C-407E-A947-70E740481C1C}">
+                <a14:useLocalDpi xmlns:a14="http://schemas.microsoft.com/office/drawing/2010/main" val="0"/>
+              </a:ext>
+            </a:extLst>
+          </a:blip>
+          <a:stretch>
+            <a:fillRect/>
+          </a:stretch>
+        </p:blipFill>
+        <p:spPr>
+          <a:xfrm>
+            <a:off x="2666749" y="2790826"/>
+            <a:ext cx="3152775" cy="3762375"/>
+          </a:xfrm>
+          <a:prstGeom prst="rect">
+            <a:avLst/>
+          </a:prstGeom>
+        </p:spPr>
+      </p:pic>
     </p:spTree>
     <p:extLst>
       <p:ext uri="{BB962C8B-B14F-4D97-AF65-F5344CB8AC3E}">
@@ -3727,7 +3791,7 @@
         <p:spPr>
           <a:xfrm>
             <a:off x="296778" y="272717"/>
-            <a:ext cx="10411326" cy="6740307"/>
+            <a:ext cx="10411326" cy="7417415"/>
           </a:xfrm>
           <a:prstGeom prst="rect">
             <a:avLst/>
@@ -3767,6 +3831,18 @@
             <a:r>
               <a:rPr lang="en-US" sz="2800" dirty="0"/>
               <a:t>Did a user page</a:t>
+            </a:r>
+          </a:p>
+          <a:p>
+            <a:r>
+              <a:rPr lang="en-US" sz="2800" dirty="0"/>
+              <a:t>Linked home page to sign up</a:t>
+            </a:r>
+          </a:p>
+          <a:p>
+            <a:r>
+              <a:rPr lang="en-US" sz="2800" dirty="0"/>
+              <a:t>page</a:t>
             </a:r>
             <a:br>
               <a:rPr lang="en-US" sz="2800" dirty="0"/>
